--- a/June 2021 figures.pptx
+++ b/June 2021 figures.pptx
@@ -8,6 +8,7 @@
     <p:sldId id="256" r:id="rId2"/>
     <p:sldId id="257" r:id="rId3"/>
     <p:sldId id="258" r:id="rId4"/>
+    <p:sldId id="259" r:id="rId5"/>
   </p:sldIdLst>
   <p:sldSz cx="6858000" cy="9144000" type="letter"/>
   <p:notesSz cx="6858000" cy="9144000"/>
@@ -106,6 +107,11 @@
       </a:defRPr>
     </a:lvl9pPr>
   </p:defaultTextStyle>
+  <p:extLst>
+    <p:ext uri="{EFAFB233-063F-42B5-8137-9DF3F51BA10A}">
+      <p15:sldGuideLst xmlns:p15="http://schemas.microsoft.com/office/powerpoint/2012/main"/>
+    </p:ext>
+  </p:extLst>
 </p:presentation>
 </file>
 
@@ -240,7 +246,7 @@
           <a:p>
             <a:fld id="{1D935CCD-684B-5343-86CE-492A9AD59EFA}" type="datetimeFigureOut">
               <a:rPr lang="en-US" smtClean="0"/>
-              <a:t>5/6/21</a:t>
+              <a:t>6/30/21</a:t>
             </a:fld>
             <a:endParaRPr lang="en-US"/>
           </a:p>
@@ -410,7 +416,7 @@
           <a:p>
             <a:fld id="{1D935CCD-684B-5343-86CE-492A9AD59EFA}" type="datetimeFigureOut">
               <a:rPr lang="en-US" smtClean="0"/>
-              <a:t>5/6/21</a:t>
+              <a:t>6/30/21</a:t>
             </a:fld>
             <a:endParaRPr lang="en-US"/>
           </a:p>
@@ -590,7 +596,7 @@
           <a:p>
             <a:fld id="{1D935CCD-684B-5343-86CE-492A9AD59EFA}" type="datetimeFigureOut">
               <a:rPr lang="en-US" smtClean="0"/>
-              <a:t>5/6/21</a:t>
+              <a:t>6/30/21</a:t>
             </a:fld>
             <a:endParaRPr lang="en-US"/>
           </a:p>
@@ -760,7 +766,7 @@
           <a:p>
             <a:fld id="{1D935CCD-684B-5343-86CE-492A9AD59EFA}" type="datetimeFigureOut">
               <a:rPr lang="en-US" smtClean="0"/>
-              <a:t>5/6/21</a:t>
+              <a:t>6/30/21</a:t>
             </a:fld>
             <a:endParaRPr lang="en-US"/>
           </a:p>
@@ -1004,7 +1010,7 @@
           <a:p>
             <a:fld id="{1D935CCD-684B-5343-86CE-492A9AD59EFA}" type="datetimeFigureOut">
               <a:rPr lang="en-US" smtClean="0"/>
-              <a:t>5/6/21</a:t>
+              <a:t>6/30/21</a:t>
             </a:fld>
             <a:endParaRPr lang="en-US"/>
           </a:p>
@@ -1236,7 +1242,7 @@
           <a:p>
             <a:fld id="{1D935CCD-684B-5343-86CE-492A9AD59EFA}" type="datetimeFigureOut">
               <a:rPr lang="en-US" smtClean="0"/>
-              <a:t>5/6/21</a:t>
+              <a:t>6/30/21</a:t>
             </a:fld>
             <a:endParaRPr lang="en-US"/>
           </a:p>
@@ -1603,7 +1609,7 @@
           <a:p>
             <a:fld id="{1D935CCD-684B-5343-86CE-492A9AD59EFA}" type="datetimeFigureOut">
               <a:rPr lang="en-US" smtClean="0"/>
-              <a:t>5/6/21</a:t>
+              <a:t>6/30/21</a:t>
             </a:fld>
             <a:endParaRPr lang="en-US"/>
           </a:p>
@@ -1721,7 +1727,7 @@
           <a:p>
             <a:fld id="{1D935CCD-684B-5343-86CE-492A9AD59EFA}" type="datetimeFigureOut">
               <a:rPr lang="en-US" smtClean="0"/>
-              <a:t>5/6/21</a:t>
+              <a:t>6/30/21</a:t>
             </a:fld>
             <a:endParaRPr lang="en-US"/>
           </a:p>
@@ -1816,7 +1822,7 @@
           <a:p>
             <a:fld id="{1D935CCD-684B-5343-86CE-492A9AD59EFA}" type="datetimeFigureOut">
               <a:rPr lang="en-US" smtClean="0"/>
-              <a:t>5/6/21</a:t>
+              <a:t>6/30/21</a:t>
             </a:fld>
             <a:endParaRPr lang="en-US"/>
           </a:p>
@@ -2093,7 +2099,7 @@
           <a:p>
             <a:fld id="{1D935CCD-684B-5343-86CE-492A9AD59EFA}" type="datetimeFigureOut">
               <a:rPr lang="en-US" smtClean="0"/>
-              <a:t>5/6/21</a:t>
+              <a:t>6/30/21</a:t>
             </a:fld>
             <a:endParaRPr lang="en-US"/>
           </a:p>
@@ -2350,7 +2356,7 @@
           <a:p>
             <a:fld id="{1D935CCD-684B-5343-86CE-492A9AD59EFA}" type="datetimeFigureOut">
               <a:rPr lang="en-US" smtClean="0"/>
-              <a:t>5/6/21</a:t>
+              <a:t>6/30/21</a:t>
             </a:fld>
             <a:endParaRPr lang="en-US"/>
           </a:p>
@@ -2563,7 +2569,7 @@
           <a:p>
             <a:fld id="{1D935CCD-684B-5343-86CE-492A9AD59EFA}" type="datetimeFigureOut">
               <a:rPr lang="en-US" smtClean="0"/>
-              <a:t>5/6/21</a:t>
+              <a:t>6/30/21</a:t>
             </a:fld>
             <a:endParaRPr lang="en-US"/>
           </a:p>
@@ -3191,15 +3197,7 @@
             <a:pPr algn="ctr"/>
             <a:r>
               <a:rPr lang="en-US" dirty="0"/>
-              <a:t>Constant environment, Temp is 290 K, </a:t>
-            </a:r>
-            <a:r>
-              <a:rPr lang="en-US" dirty="0" err="1"/>
-              <a:t>f_h</a:t>
-            </a:r>
-            <a:r>
-              <a:rPr lang="en-US" dirty="0"/>
-              <a:t> is 4</a:t>
+              <a:t>Constant environment, Temp is 290 K, low mortality</a:t>
             </a:r>
           </a:p>
         </p:txBody>
@@ -3383,15 +3381,7 @@
             <a:pPr algn="ctr"/>
             <a:r>
               <a:rPr lang="en-US" dirty="0"/>
-              <a:t>Seasonal environment,  </a:t>
-            </a:r>
-            <a:r>
-              <a:rPr lang="en-US" dirty="0" err="1"/>
-              <a:t>f_h</a:t>
-            </a:r>
-            <a:r>
-              <a:rPr lang="en-US" dirty="0"/>
-              <a:t> is 4</a:t>
+              <a:t>Seasonal environment,  low mortality</a:t>
             </a:r>
           </a:p>
         </p:txBody>
@@ -3548,6 +3538,65 @@
     <p:extLst>
       <p:ext uri="{BB962C8B-B14F-4D97-AF65-F5344CB8AC3E}">
         <p14:creationId xmlns:p14="http://schemas.microsoft.com/office/powerpoint/2010/main" val="747443964"/>
+      </p:ext>
+    </p:extLst>
+  </p:cSld>
+  <p:clrMapOvr>
+    <a:masterClrMapping/>
+  </p:clrMapOvr>
+</p:sld>
+</file>
+
+<file path=ppt/slides/slide4.xml><?xml version="1.0" encoding="utf-8"?>
+<p:sld xmlns:a="http://schemas.openxmlformats.org/drawingml/2006/main" xmlns:r="http://schemas.openxmlformats.org/officeDocument/2006/relationships" xmlns:p="http://schemas.openxmlformats.org/presentationml/2006/main">
+  <p:cSld>
+    <p:spTree>
+      <p:nvGrpSpPr>
+        <p:cNvPr id="1" name=""/>
+        <p:cNvGrpSpPr/>
+        <p:nvPr/>
+      </p:nvGrpSpPr>
+      <p:grpSpPr>
+        <a:xfrm>
+          <a:off x="0" y="0"/>
+          <a:ext cx="0" cy="0"/>
+          <a:chOff x="0" y="0"/>
+          <a:chExt cx="0" cy="0"/>
+        </a:xfrm>
+      </p:grpSpPr>
+      <p:pic>
+        <p:nvPicPr>
+          <p:cNvPr id="2" name="Picture 1">
+            <a:extLst>
+              <a:ext uri="{FF2B5EF4-FFF2-40B4-BE49-F238E27FC236}">
+                <a16:creationId xmlns:a16="http://schemas.microsoft.com/office/drawing/2014/main" id="{9B60109F-629A-D54A-9041-42F8D9B28DF8}"/>
+              </a:ext>
+            </a:extLst>
+          </p:cNvPr>
+          <p:cNvPicPr>
+            <a:picLocks noChangeAspect="1"/>
+          </p:cNvPicPr>
+          <p:nvPr/>
+        </p:nvPicPr>
+        <p:blipFill rotWithShape="1">
+          <a:blip r:embed="rId2"/>
+          <a:srcRect b="18261"/>
+          <a:stretch/>
+        </p:blipFill>
+        <p:spPr>
+          <a:xfrm>
+            <a:off x="1967459" y="0"/>
+            <a:ext cx="2923082" cy="7474226"/>
+          </a:xfrm>
+          <a:prstGeom prst="rect">
+            <a:avLst/>
+          </a:prstGeom>
+        </p:spPr>
+      </p:pic>
+    </p:spTree>
+    <p:extLst>
+      <p:ext uri="{BB962C8B-B14F-4D97-AF65-F5344CB8AC3E}">
+        <p14:creationId xmlns:p14="http://schemas.microsoft.com/office/powerpoint/2010/main" val="2475429737"/>
       </p:ext>
     </p:extLst>
   </p:cSld>
